--- a/slides/D3A_fairness_slides.pptx
+++ b/slides/D3A_fairness_slides.pptx
@@ -5,7 +5,7 @@
     <p:sldMasterId id="2147483684" r:id="rId1"/>
   </p:sldMasterIdLst>
   <p:notesMasterIdLst>
-    <p:notesMasterId r:id="rId16"/>
+    <p:notesMasterId r:id="rId12"/>
   </p:notesMasterIdLst>
   <p:sldIdLst>
     <p:sldId id="332" r:id="rId2"/>
@@ -16,17 +16,13 @@
     <p:sldId id="376" r:id="rId7"/>
     <p:sldId id="346" r:id="rId8"/>
     <p:sldId id="355" r:id="rId9"/>
-    <p:sldId id="286" r:id="rId10"/>
-    <p:sldId id="310" r:id="rId11"/>
-    <p:sldId id="311" r:id="rId12"/>
-    <p:sldId id="320" r:id="rId13"/>
-    <p:sldId id="313" r:id="rId14"/>
-    <p:sldId id="347" r:id="rId15"/>
+    <p:sldId id="310" r:id="rId10"/>
+    <p:sldId id="347" r:id="rId11"/>
   </p:sldIdLst>
   <p:sldSz cx="12192000" cy="6858000"/>
   <p:notesSz cx="6858000" cy="9144000"/>
   <p:custDataLst>
-    <p:tags r:id="rId17"/>
+    <p:tags r:id="rId13"/>
   </p:custDataLst>
   <p:defaultTextStyle>
     <a:defPPr>
@@ -213,7 +209,7 @@
           <a:p>
             <a:fld id="{E9F0C550-6EA8-B44E-B241-CF512CB8FC7C}" type="datetimeFigureOut">
               <a:rPr lang="en-US" smtClean="0"/>
-              <a:t>19-Jan-24</a:t>
+              <a:t>23-Jan-24</a:t>
             </a:fld>
             <a:endParaRPr lang="en-US"/>
           </a:p>
@@ -608,10 +604,7 @@
           <a:bodyPr/>
           <a:lstStyle/>
           <a:p>
-            <a:r>
-              <a:rPr lang="en-GB" dirty="0"/>
-              <a:t>https://en.wikipedia.org/wiki/Confusion_matrix</a:t>
-            </a:r>
+            <a:endParaRPr lang="en-GB"/>
           </a:p>
         </p:txBody>
       </p:sp>
@@ -633,436 +626,6 @@
             <a:fld id="{9C6D4903-1E3C-1F40-A42D-10DABABB577A}" type="slidenum">
               <a:rPr lang="en-US" smtClean="0"/>
               <a:t>10</a:t>
-            </a:fld>
-            <a:endParaRPr lang="en-US"/>
-          </a:p>
-        </p:txBody>
-      </p:sp>
-    </p:spTree>
-    <p:extLst>
-      <p:ext uri="{BB962C8B-B14F-4D97-AF65-F5344CB8AC3E}">
-        <p14:creationId xmlns:p14="http://schemas.microsoft.com/office/powerpoint/2010/main" val="61393679"/>
-      </p:ext>
-    </p:extLst>
-  </p:cSld>
-  <p:clrMapOvr>
-    <a:masterClrMapping/>
-  </p:clrMapOvr>
-</p:notes>
-</file>
-
-<file path=ppt/notesSlides/notesSlide11.xml><?xml version="1.0" encoding="utf-8"?>
-<p:notes xmlns:a="http://schemas.openxmlformats.org/drawingml/2006/main" xmlns:r="http://schemas.openxmlformats.org/officeDocument/2006/relationships" xmlns:p="http://schemas.openxmlformats.org/presentationml/2006/main">
-  <p:cSld>
-    <p:spTree>
-      <p:nvGrpSpPr>
-        <p:cNvPr id="1" name=""/>
-        <p:cNvGrpSpPr/>
-        <p:nvPr/>
-      </p:nvGrpSpPr>
-      <p:grpSpPr>
-        <a:xfrm>
-          <a:off x="0" y="0"/>
-          <a:ext cx="0" cy="0"/>
-          <a:chOff x="0" y="0"/>
-          <a:chExt cx="0" cy="0"/>
-        </a:xfrm>
-      </p:grpSpPr>
-      <p:sp>
-        <p:nvSpPr>
-          <p:cNvPr id="2" name="Slide Image Placeholder 1"/>
-          <p:cNvSpPr>
-            <a:spLocks noGrp="1" noRot="1" noChangeAspect="1"/>
-          </p:cNvSpPr>
-          <p:nvPr>
-            <p:ph type="sldImg"/>
-          </p:nvPr>
-        </p:nvSpPr>
-        <p:spPr/>
-      </p:sp>
-      <p:sp>
-        <p:nvSpPr>
-          <p:cNvPr id="3" name="Notes Placeholder 2"/>
-          <p:cNvSpPr>
-            <a:spLocks noGrp="1"/>
-          </p:cNvSpPr>
-          <p:nvPr>
-            <p:ph type="body" idx="1"/>
-          </p:nvPr>
-        </p:nvSpPr>
-        <p:spPr/>
-        <p:txBody>
-          <a:bodyPr/>
-          <a:lstStyle/>
-          <a:p>
-            <a:endParaRPr lang="en-GB" dirty="0"/>
-          </a:p>
-        </p:txBody>
-      </p:sp>
-      <p:sp>
-        <p:nvSpPr>
-          <p:cNvPr id="4" name="Slide Number Placeholder 3"/>
-          <p:cNvSpPr>
-            <a:spLocks noGrp="1"/>
-          </p:cNvSpPr>
-          <p:nvPr>
-            <p:ph type="sldNum" sz="quarter" idx="5"/>
-          </p:nvPr>
-        </p:nvSpPr>
-        <p:spPr/>
-        <p:txBody>
-          <a:bodyPr/>
-          <a:lstStyle/>
-          <a:p>
-            <a:fld id="{9C6D4903-1E3C-1F40-A42D-10DABABB577A}" type="slidenum">
-              <a:rPr lang="en-US" smtClean="0"/>
-              <a:t>11</a:t>
-            </a:fld>
-            <a:endParaRPr lang="en-US"/>
-          </a:p>
-        </p:txBody>
-      </p:sp>
-    </p:spTree>
-    <p:extLst>
-      <p:ext uri="{BB962C8B-B14F-4D97-AF65-F5344CB8AC3E}">
-        <p14:creationId xmlns:p14="http://schemas.microsoft.com/office/powerpoint/2010/main" val="2300333680"/>
-      </p:ext>
-    </p:extLst>
-  </p:cSld>
-  <p:clrMapOvr>
-    <a:masterClrMapping/>
-  </p:clrMapOvr>
-</p:notes>
-</file>
-
-<file path=ppt/notesSlides/notesSlide12.xml><?xml version="1.0" encoding="utf-8"?>
-<p:notes xmlns:a="http://schemas.openxmlformats.org/drawingml/2006/main" xmlns:r="http://schemas.openxmlformats.org/officeDocument/2006/relationships" xmlns:p="http://schemas.openxmlformats.org/presentationml/2006/main">
-  <p:cSld>
-    <p:spTree>
-      <p:nvGrpSpPr>
-        <p:cNvPr id="1" name=""/>
-        <p:cNvGrpSpPr/>
-        <p:nvPr/>
-      </p:nvGrpSpPr>
-      <p:grpSpPr>
-        <a:xfrm>
-          <a:off x="0" y="0"/>
-          <a:ext cx="0" cy="0"/>
-          <a:chOff x="0" y="0"/>
-          <a:chExt cx="0" cy="0"/>
-        </a:xfrm>
-      </p:grpSpPr>
-      <p:sp>
-        <p:nvSpPr>
-          <p:cNvPr id="2" name="Slide Image Placeholder 1"/>
-          <p:cNvSpPr>
-            <a:spLocks noGrp="1" noRot="1" noChangeAspect="1"/>
-          </p:cNvSpPr>
-          <p:nvPr>
-            <p:ph type="sldImg"/>
-          </p:nvPr>
-        </p:nvSpPr>
-        <p:spPr/>
-      </p:sp>
-      <p:sp>
-        <p:nvSpPr>
-          <p:cNvPr id="3" name="Notes Placeholder 2"/>
-          <p:cNvSpPr>
-            <a:spLocks noGrp="1"/>
-          </p:cNvSpPr>
-          <p:nvPr>
-            <p:ph type="body" idx="1"/>
-          </p:nvPr>
-        </p:nvSpPr>
-        <p:spPr/>
-        <p:txBody>
-          <a:bodyPr/>
-          <a:lstStyle/>
-          <a:p>
-            <a:r>
-              <a:rPr lang="en-US" sz="1200" b="0" i="0" kern="1200" dirty="0">
-                <a:solidFill>
-                  <a:schemeClr val="tx1"/>
-                </a:solidFill>
-                <a:effectLst/>
-                <a:latin typeface="+mn-lt"/>
-                <a:ea typeface="+mn-ea"/>
-                <a:cs typeface="+mn-cs"/>
-              </a:rPr>
-              <a:t>Separation, Positive Rate Parity</a:t>
-            </a:r>
-            <a:endParaRPr lang="en-GB" dirty="0"/>
-          </a:p>
-          <a:p>
-            <a:endParaRPr lang="en-GB" dirty="0"/>
-          </a:p>
-          <a:p>
-            <a:r>
-              <a:rPr lang="en-GB" dirty="0"/>
-              <a:t>Sensitivity (TP / all actually positives)</a:t>
-            </a:r>
-          </a:p>
-          <a:p>
-            <a:r>
-              <a:rPr lang="en-GB" dirty="0"/>
-              <a:t>Precision (TP / all predicted positives)</a:t>
-            </a:r>
-          </a:p>
-          <a:p>
-            <a:endParaRPr lang="en-GB" dirty="0"/>
-          </a:p>
-          <a:p>
-            <a:r>
-              <a:rPr lang="en-GB" dirty="0"/>
-              <a:t>https://towardsdatascience.com/a-tutorial-on-fairness-in-machine-learning-3ff8ba1040cb</a:t>
-            </a:r>
-          </a:p>
-          <a:p>
-            <a:r>
-              <a:rPr lang="en-GB" dirty="0"/>
-              <a:t>https://www2.cs.duke.edu/courses/fall18/compsci590.1/lectures/FairML2.pdf</a:t>
-            </a:r>
-          </a:p>
-        </p:txBody>
-      </p:sp>
-      <p:sp>
-        <p:nvSpPr>
-          <p:cNvPr id="4" name="Slide Number Placeholder 3"/>
-          <p:cNvSpPr>
-            <a:spLocks noGrp="1"/>
-          </p:cNvSpPr>
-          <p:nvPr>
-            <p:ph type="sldNum" sz="quarter" idx="5"/>
-          </p:nvPr>
-        </p:nvSpPr>
-        <p:spPr/>
-        <p:txBody>
-          <a:bodyPr/>
-          <a:lstStyle/>
-          <a:p>
-            <a:fld id="{9C6D4903-1E3C-1F40-A42D-10DABABB577A}" type="slidenum">
-              <a:rPr lang="en-US" smtClean="0"/>
-              <a:t>12</a:t>
-            </a:fld>
-            <a:endParaRPr lang="en-US"/>
-          </a:p>
-        </p:txBody>
-      </p:sp>
-    </p:spTree>
-    <p:extLst>
-      <p:ext uri="{BB962C8B-B14F-4D97-AF65-F5344CB8AC3E}">
-        <p14:creationId xmlns:p14="http://schemas.microsoft.com/office/powerpoint/2010/main" val="1768553765"/>
-      </p:ext>
-    </p:extLst>
-  </p:cSld>
-  <p:clrMapOvr>
-    <a:masterClrMapping/>
-  </p:clrMapOvr>
-</p:notes>
-</file>
-
-<file path=ppt/notesSlides/notesSlide13.xml><?xml version="1.0" encoding="utf-8"?>
-<p:notes xmlns:a="http://schemas.openxmlformats.org/drawingml/2006/main" xmlns:r="http://schemas.openxmlformats.org/officeDocument/2006/relationships" xmlns:p="http://schemas.openxmlformats.org/presentationml/2006/main">
-  <p:cSld>
-    <p:spTree>
-      <p:nvGrpSpPr>
-        <p:cNvPr id="1" name=""/>
-        <p:cNvGrpSpPr/>
-        <p:nvPr/>
-      </p:nvGrpSpPr>
-      <p:grpSpPr>
-        <a:xfrm>
-          <a:off x="0" y="0"/>
-          <a:ext cx="0" cy="0"/>
-          <a:chOff x="0" y="0"/>
-          <a:chExt cx="0" cy="0"/>
-        </a:xfrm>
-      </p:grpSpPr>
-      <p:sp>
-        <p:nvSpPr>
-          <p:cNvPr id="2" name="Slide Image Placeholder 1"/>
-          <p:cNvSpPr>
-            <a:spLocks noGrp="1" noRot="1" noChangeAspect="1"/>
-          </p:cNvSpPr>
-          <p:nvPr>
-            <p:ph type="sldImg"/>
-          </p:nvPr>
-        </p:nvSpPr>
-        <p:spPr/>
-      </p:sp>
-      <p:sp>
-        <p:nvSpPr>
-          <p:cNvPr id="3" name="Notes Placeholder 2"/>
-          <p:cNvSpPr>
-            <a:spLocks noGrp="1"/>
-          </p:cNvSpPr>
-          <p:nvPr>
-            <p:ph type="body" idx="1"/>
-          </p:nvPr>
-        </p:nvSpPr>
-        <p:spPr/>
-        <p:txBody>
-          <a:bodyPr/>
-          <a:lstStyle/>
-          <a:p>
-            <a:r>
-              <a:rPr lang="en-US" sz="1200" b="0" i="0" kern="1200" dirty="0">
-                <a:solidFill>
-                  <a:schemeClr val="tx1"/>
-                </a:solidFill>
-                <a:effectLst/>
-                <a:latin typeface="+mn-lt"/>
-                <a:ea typeface="+mn-ea"/>
-                <a:cs typeface="+mn-cs"/>
-              </a:rPr>
-              <a:t>Sufficiency</a:t>
-            </a:r>
-          </a:p>
-          <a:p>
-            <a:endParaRPr lang="en-US" sz="1200" b="0" i="0" kern="1200" dirty="0">
-              <a:solidFill>
-                <a:schemeClr val="tx1"/>
-              </a:solidFill>
-              <a:effectLst/>
-              <a:latin typeface="+mn-lt"/>
-              <a:ea typeface="+mn-ea"/>
-              <a:cs typeface="+mn-cs"/>
-            </a:endParaRPr>
-          </a:p>
-          <a:p>
-            <a:r>
-              <a:rPr lang="en-GB" dirty="0"/>
-              <a:t>Sensitivity (TP / all actually positives)</a:t>
-            </a:r>
-          </a:p>
-          <a:p>
-            <a:r>
-              <a:rPr lang="en-GB" dirty="0"/>
-              <a:t>Precision (TP / all predicted positives)</a:t>
-            </a:r>
-          </a:p>
-          <a:p>
-            <a:endParaRPr lang="en-GB" dirty="0"/>
-          </a:p>
-          <a:p>
-            <a:r>
-              <a:rPr lang="en-GB" dirty="0"/>
-              <a:t>https://towardsdatascience.com/a-tutorial-on-fairness-in-machine-learning-3ff8ba1040cb</a:t>
-            </a:r>
-          </a:p>
-          <a:p>
-            <a:r>
-              <a:rPr lang="en-GB" dirty="0"/>
-              <a:t>https://www2.cs.duke.edu/courses/fall18/compsci590.1/lectures/FairML2.pdf</a:t>
-            </a:r>
-          </a:p>
-          <a:p>
-            <a:endParaRPr lang="en-GB" dirty="0"/>
-          </a:p>
-        </p:txBody>
-      </p:sp>
-      <p:sp>
-        <p:nvSpPr>
-          <p:cNvPr id="4" name="Slide Number Placeholder 3"/>
-          <p:cNvSpPr>
-            <a:spLocks noGrp="1"/>
-          </p:cNvSpPr>
-          <p:nvPr>
-            <p:ph type="sldNum" sz="quarter" idx="5"/>
-          </p:nvPr>
-        </p:nvSpPr>
-        <p:spPr/>
-        <p:txBody>
-          <a:bodyPr/>
-          <a:lstStyle/>
-          <a:p>
-            <a:fld id="{9C6D4903-1E3C-1F40-A42D-10DABABB577A}" type="slidenum">
-              <a:rPr lang="en-US" smtClean="0"/>
-              <a:t>13</a:t>
-            </a:fld>
-            <a:endParaRPr lang="en-US"/>
-          </a:p>
-        </p:txBody>
-      </p:sp>
-    </p:spTree>
-    <p:extLst>
-      <p:ext uri="{BB962C8B-B14F-4D97-AF65-F5344CB8AC3E}">
-        <p14:creationId xmlns:p14="http://schemas.microsoft.com/office/powerpoint/2010/main" val="487333559"/>
-      </p:ext>
-    </p:extLst>
-  </p:cSld>
-  <p:clrMapOvr>
-    <a:masterClrMapping/>
-  </p:clrMapOvr>
-</p:notes>
-</file>
-
-<file path=ppt/notesSlides/notesSlide14.xml><?xml version="1.0" encoding="utf-8"?>
-<p:notes xmlns:a="http://schemas.openxmlformats.org/drawingml/2006/main" xmlns:r="http://schemas.openxmlformats.org/officeDocument/2006/relationships" xmlns:p="http://schemas.openxmlformats.org/presentationml/2006/main">
-  <p:cSld>
-    <p:spTree>
-      <p:nvGrpSpPr>
-        <p:cNvPr id="1" name=""/>
-        <p:cNvGrpSpPr/>
-        <p:nvPr/>
-      </p:nvGrpSpPr>
-      <p:grpSpPr>
-        <a:xfrm>
-          <a:off x="0" y="0"/>
-          <a:ext cx="0" cy="0"/>
-          <a:chOff x="0" y="0"/>
-          <a:chExt cx="0" cy="0"/>
-        </a:xfrm>
-      </p:grpSpPr>
-      <p:sp>
-        <p:nvSpPr>
-          <p:cNvPr id="2" name="Slide Image Placeholder 1"/>
-          <p:cNvSpPr>
-            <a:spLocks noGrp="1" noRot="1" noChangeAspect="1"/>
-          </p:cNvSpPr>
-          <p:nvPr>
-            <p:ph type="sldImg"/>
-          </p:nvPr>
-        </p:nvSpPr>
-        <p:spPr/>
-      </p:sp>
-      <p:sp>
-        <p:nvSpPr>
-          <p:cNvPr id="3" name="Notes Placeholder 2"/>
-          <p:cNvSpPr>
-            <a:spLocks noGrp="1"/>
-          </p:cNvSpPr>
-          <p:nvPr>
-            <p:ph type="body" idx="1"/>
-          </p:nvPr>
-        </p:nvSpPr>
-        <p:spPr/>
-        <p:txBody>
-          <a:bodyPr/>
-          <a:lstStyle/>
-          <a:p>
-            <a:endParaRPr lang="en-GB"/>
-          </a:p>
-        </p:txBody>
-      </p:sp>
-      <p:sp>
-        <p:nvSpPr>
-          <p:cNvPr id="4" name="Slide Number Placeholder 3"/>
-          <p:cNvSpPr>
-            <a:spLocks noGrp="1"/>
-          </p:cNvSpPr>
-          <p:nvPr>
-            <p:ph type="sldNum" sz="quarter" idx="10"/>
-          </p:nvPr>
-        </p:nvSpPr>
-        <p:spPr/>
-        <p:txBody>
-          <a:bodyPr/>
-          <a:lstStyle/>
-          <a:p>
-            <a:fld id="{9C6D4903-1E3C-1F40-A42D-10DABABB577A}" type="slidenum">
-              <a:rPr lang="en-US" smtClean="0"/>
-              <a:t>14</a:t>
             </a:fld>
             <a:endParaRPr lang="en-US"/>
           </a:p>
@@ -1736,7 +1299,10 @@
           <a:bodyPr/>
           <a:lstStyle/>
           <a:p>
-            <a:endParaRPr lang="en-GB"/>
+            <a:r>
+              <a:rPr lang="en-GB" dirty="0"/>
+              <a:t>https://en.wikipedia.org/wiki/Confusion_matrix</a:t>
+            </a:r>
           </a:p>
         </p:txBody>
       </p:sp>
@@ -1766,7 +1332,7 @@
     </p:spTree>
     <p:extLst>
       <p:ext uri="{BB962C8B-B14F-4D97-AF65-F5344CB8AC3E}">
-        <p14:creationId xmlns:p14="http://schemas.microsoft.com/office/powerpoint/2010/main" val="4114766100"/>
+        <p14:creationId xmlns:p14="http://schemas.microsoft.com/office/powerpoint/2010/main" val="61393679"/>
       </p:ext>
     </p:extLst>
   </p:cSld>
@@ -1907,7 +1473,7 @@
           <a:p>
             <a:fld id="{FA2FAA69-E87E-C542-AC88-073890283010}" type="datetimeFigureOut">
               <a:rPr lang="en-US" smtClean="0"/>
-              <a:t>19-Jan-24</a:t>
+              <a:t>23-Jan-24</a:t>
             </a:fld>
             <a:endParaRPr lang="en-US"/>
           </a:p>
@@ -2082,7 +1648,7 @@
           <a:p>
             <a:fld id="{FA2FAA69-E87E-C542-AC88-073890283010}" type="datetimeFigureOut">
               <a:rPr lang="en-US" smtClean="0"/>
-              <a:t>19-Jan-24</a:t>
+              <a:t>23-Jan-24</a:t>
             </a:fld>
             <a:endParaRPr lang="en-US"/>
           </a:p>
@@ -2262,7 +1828,7 @@
           <a:p>
             <a:fld id="{FA2FAA69-E87E-C542-AC88-073890283010}" type="datetimeFigureOut">
               <a:rPr lang="en-US" smtClean="0"/>
-              <a:t>19-Jan-24</a:t>
+              <a:t>23-Jan-24</a:t>
             </a:fld>
             <a:endParaRPr lang="en-US"/>
           </a:p>
@@ -2437,7 +2003,7 @@
           <a:p>
             <a:fld id="{FA2FAA69-E87E-C542-AC88-073890283010}" type="datetimeFigureOut">
               <a:rPr lang="en-US" smtClean="0"/>
-              <a:t>19-Jan-24</a:t>
+              <a:t>23-Jan-24</a:t>
             </a:fld>
             <a:endParaRPr lang="en-US"/>
           </a:p>
@@ -2683,7 +2249,7 @@
           <a:p>
             <a:fld id="{FA2FAA69-E87E-C542-AC88-073890283010}" type="datetimeFigureOut">
               <a:rPr lang="en-US" smtClean="0"/>
-              <a:t>19-Jan-24</a:t>
+              <a:t>23-Jan-24</a:t>
             </a:fld>
             <a:endParaRPr lang="en-US"/>
           </a:p>
@@ -2920,7 +2486,7 @@
           <a:p>
             <a:fld id="{FA2FAA69-E87E-C542-AC88-073890283010}" type="datetimeFigureOut">
               <a:rPr lang="en-US" smtClean="0"/>
-              <a:t>19-Jan-24</a:t>
+              <a:t>23-Jan-24</a:t>
             </a:fld>
             <a:endParaRPr lang="en-US"/>
           </a:p>
@@ -3287,7 +2853,7 @@
           <a:p>
             <a:fld id="{FA2FAA69-E87E-C542-AC88-073890283010}" type="datetimeFigureOut">
               <a:rPr lang="en-US" smtClean="0"/>
-              <a:t>19-Jan-24</a:t>
+              <a:t>23-Jan-24</a:t>
             </a:fld>
             <a:endParaRPr lang="en-US"/>
           </a:p>
@@ -3405,7 +2971,7 @@
           <a:p>
             <a:fld id="{FA2FAA69-E87E-C542-AC88-073890283010}" type="datetimeFigureOut">
               <a:rPr lang="en-US" smtClean="0"/>
-              <a:t>19-Jan-24</a:t>
+              <a:t>23-Jan-24</a:t>
             </a:fld>
             <a:endParaRPr lang="en-US"/>
           </a:p>
@@ -3500,7 +3066,7 @@
           <a:p>
             <a:fld id="{FA2FAA69-E87E-C542-AC88-073890283010}" type="datetimeFigureOut">
               <a:rPr lang="en-US" smtClean="0"/>
-              <a:t>19-Jan-24</a:t>
+              <a:t>23-Jan-24</a:t>
             </a:fld>
             <a:endParaRPr lang="en-US"/>
           </a:p>
@@ -3777,7 +3343,7 @@
           <a:p>
             <a:fld id="{FA2FAA69-E87E-C542-AC88-073890283010}" type="datetimeFigureOut">
               <a:rPr lang="en-US" smtClean="0"/>
-              <a:t>19-Jan-24</a:t>
+              <a:t>23-Jan-24</a:t>
             </a:fld>
             <a:endParaRPr lang="en-US"/>
           </a:p>
@@ -4034,7 +3600,7 @@
           <a:p>
             <a:fld id="{FA2FAA69-E87E-C542-AC88-073890283010}" type="datetimeFigureOut">
               <a:rPr lang="en-US" smtClean="0"/>
-              <a:t>19-Jan-24</a:t>
+              <a:t>23-Jan-24</a:t>
             </a:fld>
             <a:endParaRPr lang="en-US"/>
           </a:p>
@@ -4247,7 +3813,7 @@
           <a:p>
             <a:fld id="{FA2FAA69-E87E-C542-AC88-073890283010}" type="datetimeFigureOut">
               <a:rPr lang="en-US" smtClean="0"/>
-              <a:t>19-Jan-24</a:t>
+              <a:t>23-Jan-24</a:t>
             </a:fld>
             <a:endParaRPr lang="en-US"/>
           </a:p>
@@ -4818,1182 +4384,6 @@
       </p:grpSpPr>
       <p:sp>
         <p:nvSpPr>
-          <p:cNvPr id="4" name="Rectangle 3"/>
-          <p:cNvSpPr/>
-          <p:nvPr/>
-        </p:nvSpPr>
-        <p:spPr>
-          <a:xfrm>
-            <a:off x="0" y="0"/>
-            <a:ext cx="12192000" cy="6858000"/>
-          </a:xfrm>
-          <a:prstGeom prst="rect">
-            <a:avLst/>
-          </a:prstGeom>
-          <a:solidFill>
-            <a:schemeClr val="tx1"/>
-          </a:solidFill>
-          <a:ln>
-            <a:solidFill>
-              <a:schemeClr val="tx1"/>
-            </a:solidFill>
-          </a:ln>
-        </p:spPr>
-        <p:style>
-          <a:lnRef idx="2">
-            <a:schemeClr val="accent1">
-              <a:shade val="50000"/>
-            </a:schemeClr>
-          </a:lnRef>
-          <a:fillRef idx="1">
-            <a:schemeClr val="accent1"/>
-          </a:fillRef>
-          <a:effectRef idx="0">
-            <a:schemeClr val="accent1"/>
-          </a:effectRef>
-          <a:fontRef idx="minor">
-            <a:schemeClr val="lt1"/>
-          </a:fontRef>
-        </p:style>
-        <p:txBody>
-          <a:bodyPr rtlCol="0" anchor="ctr"/>
-          <a:lstStyle/>
-          <a:p>
-            <a:pPr algn="ctr"/>
-            <a:endParaRPr lang="en-GB"/>
-          </a:p>
-        </p:txBody>
-      </p:sp>
-      <p:pic>
-        <p:nvPicPr>
-          <p:cNvPr id="3" name="Picture 2"/>
-          <p:cNvPicPr>
-            <a:picLocks noChangeAspect="1"/>
-          </p:cNvPicPr>
-          <p:nvPr/>
-        </p:nvPicPr>
-        <p:blipFill rotWithShape="1">
-          <a:blip r:embed="rId3"/>
-          <a:srcRect l="15347" t="23333" r="2708" b="24630"/>
-          <a:stretch/>
-        </p:blipFill>
-        <p:spPr>
-          <a:xfrm>
-            <a:off x="118754" y="1149350"/>
-            <a:ext cx="11942209" cy="4265798"/>
-          </a:xfrm>
-          <a:prstGeom prst="rect">
-            <a:avLst/>
-          </a:prstGeom>
-        </p:spPr>
-      </p:pic>
-    </p:spTree>
-    <p:extLst>
-      <p:ext uri="{BB962C8B-B14F-4D97-AF65-F5344CB8AC3E}">
-        <p14:creationId xmlns:p14="http://schemas.microsoft.com/office/powerpoint/2010/main" val="137733283"/>
-      </p:ext>
-    </p:extLst>
-  </p:cSld>
-  <p:clrMapOvr>
-    <a:masterClrMapping/>
-  </p:clrMapOvr>
-</p:sld>
-</file>
-
-<file path=ppt/slides/slide11.xml><?xml version="1.0" encoding="utf-8"?>
-<p:sld xmlns:a="http://schemas.openxmlformats.org/drawingml/2006/main" xmlns:r="http://schemas.openxmlformats.org/officeDocument/2006/relationships" xmlns:p="http://schemas.openxmlformats.org/presentationml/2006/main">
-  <p:cSld>
-    <p:spTree>
-      <p:nvGrpSpPr>
-        <p:cNvPr id="1" name=""/>
-        <p:cNvGrpSpPr/>
-        <p:nvPr/>
-      </p:nvGrpSpPr>
-      <p:grpSpPr>
-        <a:xfrm>
-          <a:off x="0" y="0"/>
-          <a:ext cx="0" cy="0"/>
-          <a:chOff x="0" y="0"/>
-          <a:chExt cx="0" cy="0"/>
-        </a:xfrm>
-      </p:grpSpPr>
-      <p:sp>
-        <p:nvSpPr>
-          <p:cNvPr id="6" name="Title 4">
-            <a:extLst>
-              <a:ext uri="{FF2B5EF4-FFF2-40B4-BE49-F238E27FC236}">
-                <a16:creationId xmlns:a16="http://schemas.microsoft.com/office/drawing/2014/main" id="{1DEE8193-7630-3346-A7EE-77ACA9186635}"/>
-              </a:ext>
-            </a:extLst>
-          </p:cNvPr>
-          <p:cNvSpPr txBox="1">
-            <a:spLocks/>
-          </p:cNvSpPr>
-          <p:nvPr/>
-        </p:nvSpPr>
-        <p:spPr>
-          <a:xfrm>
-            <a:off x="884419" y="2246414"/>
-            <a:ext cx="10423161" cy="1972234"/>
-          </a:xfrm>
-          <a:prstGeom prst="rect">
-            <a:avLst/>
-          </a:prstGeom>
-        </p:spPr>
-        <p:txBody>
-          <a:bodyPr vert="horz" lIns="91440" tIns="45720" rIns="91440" bIns="45720" rtlCol="0" anchor="b">
-            <a:normAutofit/>
-          </a:bodyPr>
-          <a:lstStyle>
-            <a:lvl1pPr algn="ctr" defTabSz="914400" rtl="0" eaLnBrk="1" latinLnBrk="0" hangingPunct="1">
-              <a:lnSpc>
-                <a:spcPct val="90000"/>
-              </a:lnSpc>
-              <a:spcBef>
-                <a:spcPct val="0"/>
-              </a:spcBef>
-              <a:buNone/>
-              <a:defRPr sz="6000" kern="1200">
-                <a:solidFill>
-                  <a:schemeClr val="tx1"/>
-                </a:solidFill>
-                <a:latin typeface="+mj-lt"/>
-                <a:ea typeface="+mj-ea"/>
-                <a:cs typeface="+mj-cs"/>
-              </a:defRPr>
-            </a:lvl1pPr>
-          </a:lstStyle>
-          <a:p>
-            <a:r>
-              <a:rPr lang="en-GB" dirty="0">
-                <a:latin typeface="Bahnschrift Light Condensed" panose="020B0502040204020203" pitchFamily="34" charset="0"/>
-              </a:rPr>
-              <a:t>Important to think about </a:t>
-            </a:r>
-            <a:br>
-              <a:rPr lang="en-GB" dirty="0">
-                <a:latin typeface="Bahnschrift Light Condensed" panose="020B0502040204020203" pitchFamily="34" charset="0"/>
-              </a:rPr>
-            </a:br>
-            <a:r>
-              <a:rPr lang="en-GB" u="sng" dirty="0">
-                <a:latin typeface="Bahnschrift Light Condensed" panose="020B0502040204020203" pitchFamily="34" charset="0"/>
-              </a:rPr>
-              <a:t>primary benefit</a:t>
-            </a:r>
-            <a:r>
-              <a:rPr lang="en-GB" dirty="0">
-                <a:latin typeface="Bahnschrift Light Condensed" panose="020B0502040204020203" pitchFamily="34" charset="0"/>
-              </a:rPr>
-              <a:t> and </a:t>
-            </a:r>
-            <a:r>
-              <a:rPr lang="en-GB" u="sng" dirty="0">
-                <a:latin typeface="Bahnschrift Light Condensed" panose="020B0502040204020203" pitchFamily="34" charset="0"/>
-              </a:rPr>
-              <a:t>primary harm</a:t>
-            </a:r>
-          </a:p>
-        </p:txBody>
-      </p:sp>
-    </p:spTree>
-    <p:extLst>
-      <p:ext uri="{BB962C8B-B14F-4D97-AF65-F5344CB8AC3E}">
-        <p14:creationId xmlns:p14="http://schemas.microsoft.com/office/powerpoint/2010/main" val="3610568921"/>
-      </p:ext>
-    </p:extLst>
-  </p:cSld>
-  <p:clrMapOvr>
-    <a:masterClrMapping/>
-  </p:clrMapOvr>
-</p:sld>
-</file>
-
-<file path=ppt/slides/slide12.xml><?xml version="1.0" encoding="utf-8"?>
-<p:sld xmlns:a="http://schemas.openxmlformats.org/drawingml/2006/main" xmlns:r="http://schemas.openxmlformats.org/officeDocument/2006/relationships" xmlns:p="http://schemas.openxmlformats.org/presentationml/2006/main">
-  <p:cSld>
-    <p:spTree>
-      <p:nvGrpSpPr>
-        <p:cNvPr id="1" name=""/>
-        <p:cNvGrpSpPr/>
-        <p:nvPr/>
-      </p:nvGrpSpPr>
-      <p:grpSpPr>
-        <a:xfrm>
-          <a:off x="0" y="0"/>
-          <a:ext cx="0" cy="0"/>
-          <a:chOff x="0" y="0"/>
-          <a:chExt cx="0" cy="0"/>
-        </a:xfrm>
-      </p:grpSpPr>
-      <p:sp>
-        <p:nvSpPr>
-          <p:cNvPr id="6" name="Title 4">
-            <a:extLst>
-              <a:ext uri="{FF2B5EF4-FFF2-40B4-BE49-F238E27FC236}">
-                <a16:creationId xmlns:a16="http://schemas.microsoft.com/office/drawing/2014/main" id="{1DEE8193-7630-3346-A7EE-77ACA9186635}"/>
-              </a:ext>
-            </a:extLst>
-          </p:cNvPr>
-          <p:cNvSpPr txBox="1">
-            <a:spLocks/>
-          </p:cNvSpPr>
-          <p:nvPr/>
-        </p:nvSpPr>
-        <p:spPr>
-          <a:xfrm>
-            <a:off x="884419" y="237565"/>
-            <a:ext cx="10423161" cy="1496232"/>
-          </a:xfrm>
-          <a:prstGeom prst="rect">
-            <a:avLst/>
-          </a:prstGeom>
-        </p:spPr>
-        <p:txBody>
-          <a:bodyPr vert="horz" lIns="91440" tIns="45720" rIns="91440" bIns="45720" rtlCol="0" anchor="b">
-            <a:normAutofit/>
-          </a:bodyPr>
-          <a:lstStyle>
-            <a:lvl1pPr algn="ctr" defTabSz="914400" rtl="0" eaLnBrk="1" latinLnBrk="0" hangingPunct="1">
-              <a:lnSpc>
-                <a:spcPct val="90000"/>
-              </a:lnSpc>
-              <a:spcBef>
-                <a:spcPct val="0"/>
-              </a:spcBef>
-              <a:buNone/>
-              <a:defRPr sz="6000" kern="1200">
-                <a:solidFill>
-                  <a:schemeClr val="tx1"/>
-                </a:solidFill>
-                <a:latin typeface="+mj-lt"/>
-                <a:ea typeface="+mj-ea"/>
-                <a:cs typeface="+mj-cs"/>
-              </a:defRPr>
-            </a:lvl1pPr>
-          </a:lstStyle>
-          <a:p>
-            <a:r>
-              <a:rPr lang="en-GB" dirty="0">
-                <a:latin typeface="Bahnschrift Light Condensed" panose="020B0502040204020203" pitchFamily="34" charset="0"/>
-              </a:rPr>
-              <a:t>Equalized Odds</a:t>
-            </a:r>
-          </a:p>
-        </p:txBody>
-      </p:sp>
-      <p:sp>
-        <p:nvSpPr>
-          <p:cNvPr id="3" name="TextBox 2">
-            <a:extLst>
-              <a:ext uri="{FF2B5EF4-FFF2-40B4-BE49-F238E27FC236}">
-                <a16:creationId xmlns:a16="http://schemas.microsoft.com/office/drawing/2014/main" id="{DB08420E-84E3-F243-AE9C-93C8A29C6DF2}"/>
-              </a:ext>
-            </a:extLst>
-          </p:cNvPr>
-          <p:cNvSpPr txBox="1"/>
-          <p:nvPr/>
-        </p:nvSpPr>
-        <p:spPr>
-          <a:xfrm>
-            <a:off x="1038157" y="4093481"/>
-            <a:ext cx="5662127" cy="584775"/>
-          </a:xfrm>
-          <a:prstGeom prst="rect">
-            <a:avLst/>
-          </a:prstGeom>
-          <a:noFill/>
-        </p:spPr>
-        <p:txBody>
-          <a:bodyPr wrap="none" rtlCol="0">
-            <a:spAutoFit/>
-          </a:bodyPr>
-          <a:lstStyle/>
-          <a:p>
-            <a:r>
-              <a:rPr lang="en-GB" sz="3200" dirty="0" err="1">
-                <a:latin typeface="Bahnschrift Light Condensed" panose="020B0502040204020203" pitchFamily="34" charset="0"/>
-              </a:rPr>
-              <a:t>Pr</a:t>
-            </a:r>
-            <a:r>
-              <a:rPr lang="en-GB" sz="3200" dirty="0">
-                <a:latin typeface="Bahnschrift Light Condensed" panose="020B0502040204020203" pitchFamily="34" charset="0"/>
-              </a:rPr>
-              <a:t>(C = 1 | Y = 1, A = O) = </a:t>
-            </a:r>
-            <a:r>
-              <a:rPr lang="en-GB" sz="3200" dirty="0" err="1">
-                <a:latin typeface="Bahnschrift Light Condensed" panose="020B0502040204020203" pitchFamily="34" charset="0"/>
-              </a:rPr>
-              <a:t>Pr</a:t>
-            </a:r>
-            <a:r>
-              <a:rPr lang="en-GB" sz="3200" dirty="0">
-                <a:latin typeface="Bahnschrift Light Condensed" panose="020B0502040204020203" pitchFamily="34" charset="0"/>
-              </a:rPr>
-              <a:t>(C = 1 | Y = 1, A = 1)</a:t>
-            </a:r>
-            <a:endParaRPr lang="en-GB" sz="3200" dirty="0">
-              <a:solidFill>
-                <a:schemeClr val="bg1">
-                  <a:lumMod val="65000"/>
-                  <a:lumOff val="35000"/>
-                </a:schemeClr>
-              </a:solidFill>
-              <a:latin typeface="Bahnschrift Light Condensed" panose="020B0502040204020203" pitchFamily="34" charset="0"/>
-            </a:endParaRPr>
-          </a:p>
-        </p:txBody>
-      </p:sp>
-      <p:sp>
-        <p:nvSpPr>
-          <p:cNvPr id="2" name="Rectangle 1">
-            <a:extLst>
-              <a:ext uri="{FF2B5EF4-FFF2-40B4-BE49-F238E27FC236}">
-                <a16:creationId xmlns:a16="http://schemas.microsoft.com/office/drawing/2014/main" id="{4C4EEB4C-FCE5-894F-8EC2-07A6197F92AB}"/>
-              </a:ext>
-            </a:extLst>
-          </p:cNvPr>
-          <p:cNvSpPr/>
-          <p:nvPr/>
-        </p:nvSpPr>
-        <p:spPr>
-          <a:xfrm>
-            <a:off x="6814633" y="4068331"/>
-            <a:ext cx="1814920" cy="584775"/>
-          </a:xfrm>
-          <a:prstGeom prst="rect">
-            <a:avLst/>
-          </a:prstGeom>
-        </p:spPr>
-        <p:txBody>
-          <a:bodyPr wrap="none">
-            <a:spAutoFit/>
-          </a:bodyPr>
-          <a:lstStyle/>
-          <a:p>
-            <a:r>
-              <a:rPr lang="en-GB" sz="3200" dirty="0">
-                <a:solidFill>
-                  <a:schemeClr val="bg1">
-                    <a:lumMod val="65000"/>
-                    <a:lumOff val="35000"/>
-                  </a:schemeClr>
-                </a:solidFill>
-                <a:latin typeface="Bahnschrift Light Condensed" panose="020B0502040204020203" pitchFamily="34" charset="0"/>
-              </a:rPr>
-              <a:t>- sensitivity</a:t>
-            </a:r>
-            <a:endParaRPr lang="en-GB" sz="3200" dirty="0">
-              <a:latin typeface="Bahnschrift Light Condensed" panose="020B0502040204020203" pitchFamily="34" charset="0"/>
-            </a:endParaRPr>
-          </a:p>
-        </p:txBody>
-      </p:sp>
-      <p:sp>
-        <p:nvSpPr>
-          <p:cNvPr id="4" name="Rectangle 3"/>
-          <p:cNvSpPr/>
-          <p:nvPr/>
-        </p:nvSpPr>
-        <p:spPr>
-          <a:xfrm>
-            <a:off x="5808817" y="2694589"/>
-            <a:ext cx="3289683" cy="584775"/>
-          </a:xfrm>
-          <a:prstGeom prst="rect">
-            <a:avLst/>
-          </a:prstGeom>
-        </p:spPr>
-        <p:txBody>
-          <a:bodyPr wrap="none">
-            <a:spAutoFit/>
-          </a:bodyPr>
-          <a:lstStyle/>
-          <a:p>
-            <a:r>
-              <a:rPr lang="en-US" sz="3200" dirty="0">
-                <a:solidFill>
-                  <a:srgbClr val="FF0000"/>
-                </a:solidFill>
-                <a:latin typeface="Bahnschrift Light Condensed" panose="020B0502040204020203" pitchFamily="34" charset="0"/>
-                <a:ea typeface="+mj-ea"/>
-                <a:cs typeface="+mj-cs"/>
-              </a:rPr>
-              <a:t>Equality of Opportunity</a:t>
-            </a:r>
-            <a:endParaRPr lang="en-GB" sz="3200" dirty="0">
-              <a:solidFill>
-                <a:srgbClr val="FF0000"/>
-              </a:solidFill>
-              <a:latin typeface="Bahnschrift Light Condensed" panose="020B0502040204020203" pitchFamily="34" charset="0"/>
-              <a:ea typeface="+mj-ea"/>
-              <a:cs typeface="+mj-cs"/>
-            </a:endParaRPr>
-          </a:p>
-        </p:txBody>
-      </p:sp>
-      <p:sp>
-        <p:nvSpPr>
-          <p:cNvPr id="8" name="TextBox 7">
-            <a:extLst>
-              <a:ext uri="{FF2B5EF4-FFF2-40B4-BE49-F238E27FC236}">
-                <a16:creationId xmlns:a16="http://schemas.microsoft.com/office/drawing/2014/main" id="{DB08420E-84E3-F243-AE9C-93C8A29C6DF2}"/>
-              </a:ext>
-            </a:extLst>
-          </p:cNvPr>
-          <p:cNvSpPr txBox="1"/>
-          <p:nvPr/>
-        </p:nvSpPr>
-        <p:spPr>
-          <a:xfrm>
-            <a:off x="1038156" y="4678256"/>
-            <a:ext cx="5780750" cy="584775"/>
-          </a:xfrm>
-          <a:prstGeom prst="rect">
-            <a:avLst/>
-          </a:prstGeom>
-          <a:noFill/>
-        </p:spPr>
-        <p:txBody>
-          <a:bodyPr wrap="none" rtlCol="0">
-            <a:spAutoFit/>
-          </a:bodyPr>
-          <a:lstStyle/>
-          <a:p>
-            <a:r>
-              <a:rPr lang="en-GB" sz="3200" dirty="0" err="1">
-                <a:latin typeface="Bahnschrift Light Condensed" panose="020B0502040204020203" pitchFamily="34" charset="0"/>
-              </a:rPr>
-              <a:t>Pr</a:t>
-            </a:r>
-            <a:r>
-              <a:rPr lang="en-GB" sz="3200" dirty="0">
-                <a:latin typeface="Bahnschrift Light Condensed" panose="020B0502040204020203" pitchFamily="34" charset="0"/>
-              </a:rPr>
-              <a:t>(C = 1 | Y = 0, A = O) = </a:t>
-            </a:r>
-            <a:r>
-              <a:rPr lang="en-GB" sz="3200" dirty="0" err="1">
-                <a:latin typeface="Bahnschrift Light Condensed" panose="020B0502040204020203" pitchFamily="34" charset="0"/>
-              </a:rPr>
-              <a:t>Pr</a:t>
-            </a:r>
-            <a:r>
-              <a:rPr lang="en-GB" sz="3200" dirty="0">
-                <a:latin typeface="Bahnschrift Light Condensed" panose="020B0502040204020203" pitchFamily="34" charset="0"/>
-              </a:rPr>
-              <a:t>(C = 1 | Y = 0, A = 1)</a:t>
-            </a:r>
-            <a:endParaRPr lang="en-GB" sz="3200" dirty="0">
-              <a:solidFill>
-                <a:schemeClr val="bg1">
-                  <a:lumMod val="65000"/>
-                  <a:lumOff val="35000"/>
-                </a:schemeClr>
-              </a:solidFill>
-              <a:latin typeface="Bahnschrift Light Condensed" panose="020B0502040204020203" pitchFamily="34" charset="0"/>
-            </a:endParaRPr>
-          </a:p>
-        </p:txBody>
-      </p:sp>
-      <p:sp>
-        <p:nvSpPr>
-          <p:cNvPr id="9" name="Rectangle 8"/>
-          <p:cNvSpPr/>
-          <p:nvPr/>
-        </p:nvSpPr>
-        <p:spPr>
-          <a:xfrm>
-            <a:off x="1038746" y="2913680"/>
-            <a:ext cx="2175596" cy="584775"/>
-          </a:xfrm>
-          <a:prstGeom prst="rect">
-            <a:avLst/>
-          </a:prstGeom>
-        </p:spPr>
-        <p:txBody>
-          <a:bodyPr wrap="none">
-            <a:spAutoFit/>
-          </a:bodyPr>
-          <a:lstStyle/>
-          <a:p>
-            <a:r>
-              <a:rPr lang="en-US" sz="3200" dirty="0">
-                <a:latin typeface="Bahnschrift Light Condensed" panose="020B0502040204020203" pitchFamily="34" charset="0"/>
-                <a:ea typeface="+mj-ea"/>
-                <a:cs typeface="+mj-cs"/>
-              </a:rPr>
-              <a:t>Should satisfy:</a:t>
-            </a:r>
-            <a:endParaRPr lang="en-GB" sz="3200" dirty="0">
-              <a:latin typeface="Bahnschrift Light Condensed" panose="020B0502040204020203" pitchFamily="34" charset="0"/>
-              <a:ea typeface="+mj-ea"/>
-              <a:cs typeface="+mj-cs"/>
-            </a:endParaRPr>
-          </a:p>
-        </p:txBody>
-      </p:sp>
-      <p:sp>
-        <p:nvSpPr>
-          <p:cNvPr id="18" name="Rectangle 17">
-            <a:extLst>
-              <a:ext uri="{FF2B5EF4-FFF2-40B4-BE49-F238E27FC236}">
-                <a16:creationId xmlns:a16="http://schemas.microsoft.com/office/drawing/2014/main" id="{4C4EEB4C-FCE5-894F-8EC2-07A6197F92AB}"/>
-              </a:ext>
-            </a:extLst>
-          </p:cNvPr>
-          <p:cNvSpPr/>
-          <p:nvPr/>
-        </p:nvSpPr>
-        <p:spPr>
-          <a:xfrm>
-            <a:off x="6814633" y="4653191"/>
-            <a:ext cx="931665" cy="584775"/>
-          </a:xfrm>
-          <a:prstGeom prst="rect">
-            <a:avLst/>
-          </a:prstGeom>
-        </p:spPr>
-        <p:txBody>
-          <a:bodyPr wrap="none">
-            <a:spAutoFit/>
-          </a:bodyPr>
-          <a:lstStyle/>
-          <a:p>
-            <a:r>
-              <a:rPr lang="en-GB" sz="3200" dirty="0">
-                <a:solidFill>
-                  <a:schemeClr val="bg1">
-                    <a:lumMod val="65000"/>
-                    <a:lumOff val="35000"/>
-                  </a:schemeClr>
-                </a:solidFill>
-                <a:latin typeface="Bahnschrift Light Condensed" panose="020B0502040204020203" pitchFamily="34" charset="0"/>
-              </a:rPr>
-              <a:t>- FPR</a:t>
-            </a:r>
-            <a:endParaRPr lang="en-GB" sz="3200" dirty="0">
-              <a:latin typeface="Bahnschrift Light Condensed" panose="020B0502040204020203" pitchFamily="34" charset="0"/>
-            </a:endParaRPr>
-          </a:p>
-        </p:txBody>
-      </p:sp>
-      <p:sp>
-        <p:nvSpPr>
-          <p:cNvPr id="5" name="Rounded Rectangle 4"/>
-          <p:cNvSpPr/>
-          <p:nvPr/>
-        </p:nvSpPr>
-        <p:spPr>
-          <a:xfrm>
-            <a:off x="884419" y="4108515"/>
-            <a:ext cx="5815866" cy="584945"/>
-          </a:xfrm>
-          <a:prstGeom prst="roundRect">
-            <a:avLst/>
-          </a:prstGeom>
-          <a:noFill/>
-          <a:ln w="38100">
-            <a:solidFill>
-              <a:srgbClr val="FF0000"/>
-            </a:solidFill>
-          </a:ln>
-        </p:spPr>
-        <p:style>
-          <a:lnRef idx="2">
-            <a:schemeClr val="accent1">
-              <a:shade val="50000"/>
-            </a:schemeClr>
-          </a:lnRef>
-          <a:fillRef idx="1">
-            <a:schemeClr val="accent1"/>
-          </a:fillRef>
-          <a:effectRef idx="0">
-            <a:schemeClr val="accent1"/>
-          </a:effectRef>
-          <a:fontRef idx="minor">
-            <a:schemeClr val="lt1"/>
-          </a:fontRef>
-        </p:style>
-        <p:txBody>
-          <a:bodyPr rtlCol="0" anchor="ctr"/>
-          <a:lstStyle/>
-          <a:p>
-            <a:pPr algn="ctr"/>
-            <a:endParaRPr lang="en-GB">
-              <a:latin typeface="Bahnschrift Light Condensed" panose="020B0502040204020203" pitchFamily="34" charset="0"/>
-            </a:endParaRPr>
-          </a:p>
-        </p:txBody>
-      </p:sp>
-      <p:cxnSp>
-        <p:nvCxnSpPr>
-          <p:cNvPr id="10" name="Straight Arrow Connector 9"/>
-          <p:cNvCxnSpPr/>
-          <p:nvPr/>
-        </p:nvCxnSpPr>
-        <p:spPr>
-          <a:xfrm flipV="1">
-            <a:off x="6425442" y="3341986"/>
-            <a:ext cx="855024" cy="766529"/>
-          </a:xfrm>
-          <a:prstGeom prst="straightConnector1">
-            <a:avLst/>
-          </a:prstGeom>
-          <a:ln w="38100">
-            <a:solidFill>
-              <a:srgbClr val="FF0000"/>
-            </a:solidFill>
-            <a:tailEnd type="triangle"/>
-          </a:ln>
-        </p:spPr>
-        <p:style>
-          <a:lnRef idx="1">
-            <a:schemeClr val="accent1"/>
-          </a:lnRef>
-          <a:fillRef idx="0">
-            <a:schemeClr val="accent1"/>
-          </a:fillRef>
-          <a:effectRef idx="0">
-            <a:schemeClr val="accent1"/>
-          </a:effectRef>
-          <a:fontRef idx="minor">
-            <a:schemeClr val="tx1"/>
-          </a:fontRef>
-        </p:style>
-      </p:cxnSp>
-    </p:spTree>
-    <p:extLst>
-      <p:ext uri="{BB962C8B-B14F-4D97-AF65-F5344CB8AC3E}">
-        <p14:creationId xmlns:p14="http://schemas.microsoft.com/office/powerpoint/2010/main" val="3433115995"/>
-      </p:ext>
-    </p:extLst>
-  </p:cSld>
-  <p:clrMapOvr>
-    <a:masterClrMapping/>
-  </p:clrMapOvr>
-  <p:timing>
-    <p:tnLst>
-      <p:par>
-        <p:cTn id="1" dur="indefinite" restart="never" nodeType="tmRoot">
-          <p:childTnLst>
-            <p:seq concurrent="1" nextAc="seek">
-              <p:cTn id="2" dur="indefinite" nodeType="mainSeq">
-                <p:childTnLst>
-                  <p:par>
-                    <p:cTn id="3" fill="hold">
-                      <p:stCondLst>
-                        <p:cond delay="indefinite"/>
-                      </p:stCondLst>
-                      <p:childTnLst>
-                        <p:par>
-                          <p:cTn id="4" fill="hold">
-                            <p:stCondLst>
-                              <p:cond delay="0"/>
-                            </p:stCondLst>
-                            <p:childTnLst>
-                              <p:par>
-                                <p:cTn id="5" presetID="10" presetClass="entr" presetSubtype="0" fill="hold" nodeType="clickEffect">
-                                  <p:stCondLst>
-                                    <p:cond delay="0"/>
-                                  </p:stCondLst>
-                                  <p:childTnLst>
-                                    <p:set>
-                                      <p:cBhvr>
-                                        <p:cTn id="6" dur="1" fill="hold">
-                                          <p:stCondLst>
-                                            <p:cond delay="0"/>
-                                          </p:stCondLst>
-                                        </p:cTn>
-                                        <p:tgtEl>
-                                          <p:spTgt spid="10"/>
-                                        </p:tgtEl>
-                                        <p:attrNameLst>
-                                          <p:attrName>style.visibility</p:attrName>
-                                        </p:attrNameLst>
-                                      </p:cBhvr>
-                                      <p:to>
-                                        <p:strVal val="visible"/>
-                                      </p:to>
-                                    </p:set>
-                                    <p:animEffect transition="in" filter="fade">
-                                      <p:cBhvr>
-                                        <p:cTn id="7" dur="500"/>
-                                        <p:tgtEl>
-                                          <p:spTgt spid="10"/>
-                                        </p:tgtEl>
-                                      </p:cBhvr>
-                                    </p:animEffect>
-                                  </p:childTnLst>
-                                </p:cTn>
-                              </p:par>
-                              <p:par>
-                                <p:cTn id="8" presetID="10" presetClass="entr" presetSubtype="0" fill="hold" grpId="0" nodeType="withEffect">
-                                  <p:stCondLst>
-                                    <p:cond delay="0"/>
-                                  </p:stCondLst>
-                                  <p:childTnLst>
-                                    <p:set>
-                                      <p:cBhvr>
-                                        <p:cTn id="9" dur="1" fill="hold">
-                                          <p:stCondLst>
-                                            <p:cond delay="0"/>
-                                          </p:stCondLst>
-                                        </p:cTn>
-                                        <p:tgtEl>
-                                          <p:spTgt spid="4"/>
-                                        </p:tgtEl>
-                                        <p:attrNameLst>
-                                          <p:attrName>style.visibility</p:attrName>
-                                        </p:attrNameLst>
-                                      </p:cBhvr>
-                                      <p:to>
-                                        <p:strVal val="visible"/>
-                                      </p:to>
-                                    </p:set>
-                                    <p:animEffect transition="in" filter="fade">
-                                      <p:cBhvr>
-                                        <p:cTn id="10" dur="500"/>
-                                        <p:tgtEl>
-                                          <p:spTgt spid="4"/>
-                                        </p:tgtEl>
-                                      </p:cBhvr>
-                                    </p:animEffect>
-                                  </p:childTnLst>
-                                </p:cTn>
-                              </p:par>
-                              <p:par>
-                                <p:cTn id="11" presetID="10" presetClass="entr" presetSubtype="0" fill="hold" grpId="0" nodeType="withEffect">
-                                  <p:stCondLst>
-                                    <p:cond delay="0"/>
-                                  </p:stCondLst>
-                                  <p:childTnLst>
-                                    <p:set>
-                                      <p:cBhvr>
-                                        <p:cTn id="12" dur="1" fill="hold">
-                                          <p:stCondLst>
-                                            <p:cond delay="0"/>
-                                          </p:stCondLst>
-                                        </p:cTn>
-                                        <p:tgtEl>
-                                          <p:spTgt spid="5"/>
-                                        </p:tgtEl>
-                                        <p:attrNameLst>
-                                          <p:attrName>style.visibility</p:attrName>
-                                        </p:attrNameLst>
-                                      </p:cBhvr>
-                                      <p:to>
-                                        <p:strVal val="visible"/>
-                                      </p:to>
-                                    </p:set>
-                                    <p:animEffect transition="in" filter="fade">
-                                      <p:cBhvr>
-                                        <p:cTn id="13" dur="500"/>
-                                        <p:tgtEl>
-                                          <p:spTgt spid="5"/>
-                                        </p:tgtEl>
-                                      </p:cBhvr>
-                                    </p:animEffect>
-                                  </p:childTnLst>
-                                </p:cTn>
-                              </p:par>
-                            </p:childTnLst>
-                          </p:cTn>
-                        </p:par>
-                      </p:childTnLst>
-                    </p:cTn>
-                  </p:par>
-                </p:childTnLst>
-              </p:cTn>
-              <p:prevCondLst>
-                <p:cond evt="onPrev" delay="0">
-                  <p:tgtEl>
-                    <p:sldTgt/>
-                  </p:tgtEl>
-                </p:cond>
-              </p:prevCondLst>
-              <p:nextCondLst>
-                <p:cond evt="onNext" delay="0">
-                  <p:tgtEl>
-                    <p:sldTgt/>
-                  </p:tgtEl>
-                </p:cond>
-              </p:nextCondLst>
-            </p:seq>
-          </p:childTnLst>
-        </p:cTn>
-      </p:par>
-    </p:tnLst>
-    <p:bldLst>
-      <p:bldP spid="4" grpId="0"/>
-      <p:bldP spid="5" grpId="0" animBg="1"/>
-    </p:bldLst>
-  </p:timing>
-</p:sld>
-</file>
-
-<file path=ppt/slides/slide13.xml><?xml version="1.0" encoding="utf-8"?>
-<p:sld xmlns:a="http://schemas.openxmlformats.org/drawingml/2006/main" xmlns:r="http://schemas.openxmlformats.org/officeDocument/2006/relationships" xmlns:p="http://schemas.openxmlformats.org/presentationml/2006/main">
-  <p:cSld>
-    <p:spTree>
-      <p:nvGrpSpPr>
-        <p:cNvPr id="1" name=""/>
-        <p:cNvGrpSpPr/>
-        <p:nvPr/>
-      </p:nvGrpSpPr>
-      <p:grpSpPr>
-        <a:xfrm>
-          <a:off x="0" y="0"/>
-          <a:ext cx="0" cy="0"/>
-          <a:chOff x="0" y="0"/>
-          <a:chExt cx="0" cy="0"/>
-        </a:xfrm>
-      </p:grpSpPr>
-      <p:sp>
-        <p:nvSpPr>
-          <p:cNvPr id="6" name="Title 4">
-            <a:extLst>
-              <a:ext uri="{FF2B5EF4-FFF2-40B4-BE49-F238E27FC236}">
-                <a16:creationId xmlns:a16="http://schemas.microsoft.com/office/drawing/2014/main" id="{1DEE8193-7630-3346-A7EE-77ACA9186635}"/>
-              </a:ext>
-            </a:extLst>
-          </p:cNvPr>
-          <p:cNvSpPr txBox="1">
-            <a:spLocks/>
-          </p:cNvSpPr>
-          <p:nvPr/>
-        </p:nvSpPr>
-        <p:spPr>
-          <a:xfrm>
-            <a:off x="884419" y="237565"/>
-            <a:ext cx="10423161" cy="1306227"/>
-          </a:xfrm>
-          <a:prstGeom prst="rect">
-            <a:avLst/>
-          </a:prstGeom>
-        </p:spPr>
-        <p:txBody>
-          <a:bodyPr vert="horz" lIns="91440" tIns="45720" rIns="91440" bIns="45720" rtlCol="0" anchor="b">
-            <a:normAutofit/>
-          </a:bodyPr>
-          <a:lstStyle>
-            <a:lvl1pPr algn="ctr" defTabSz="914400" rtl="0" eaLnBrk="1" latinLnBrk="0" hangingPunct="1">
-              <a:lnSpc>
-                <a:spcPct val="90000"/>
-              </a:lnSpc>
-              <a:spcBef>
-                <a:spcPct val="0"/>
-              </a:spcBef>
-              <a:buNone/>
-              <a:defRPr sz="6000" kern="1200">
-                <a:solidFill>
-                  <a:schemeClr val="tx1"/>
-                </a:solidFill>
-                <a:latin typeface="+mj-lt"/>
-                <a:ea typeface="+mj-ea"/>
-                <a:cs typeface="+mj-cs"/>
-              </a:defRPr>
-            </a:lvl1pPr>
-          </a:lstStyle>
-          <a:p>
-            <a:r>
-              <a:rPr lang="en-GB" dirty="0">
-                <a:latin typeface="Bahnschrift Light Condensed" panose="020B0502040204020203" pitchFamily="34" charset="0"/>
-              </a:rPr>
-              <a:t>Predictive Rate Parity</a:t>
-            </a:r>
-          </a:p>
-        </p:txBody>
-      </p:sp>
-      <p:sp>
-        <p:nvSpPr>
-          <p:cNvPr id="5" name="TextBox 4">
-            <a:extLst>
-              <a:ext uri="{FF2B5EF4-FFF2-40B4-BE49-F238E27FC236}">
-                <a16:creationId xmlns:a16="http://schemas.microsoft.com/office/drawing/2014/main" id="{13E988B5-E13E-FE4F-8A48-6E29DE830131}"/>
-              </a:ext>
-            </a:extLst>
-          </p:cNvPr>
-          <p:cNvSpPr txBox="1"/>
-          <p:nvPr/>
-        </p:nvSpPr>
-        <p:spPr>
-          <a:xfrm>
-            <a:off x="1228161" y="4084652"/>
-            <a:ext cx="5662127" cy="584775"/>
-          </a:xfrm>
-          <a:prstGeom prst="rect">
-            <a:avLst/>
-          </a:prstGeom>
-          <a:noFill/>
-        </p:spPr>
-        <p:txBody>
-          <a:bodyPr wrap="none" rtlCol="0">
-            <a:spAutoFit/>
-          </a:bodyPr>
-          <a:lstStyle/>
-          <a:p>
-            <a:r>
-              <a:rPr lang="en-GB" sz="3200" dirty="0" err="1">
-                <a:latin typeface="Bahnschrift Light Condensed" panose="020B0502040204020203" pitchFamily="34" charset="0"/>
-              </a:rPr>
-              <a:t>Pr</a:t>
-            </a:r>
-            <a:r>
-              <a:rPr lang="en-GB" sz="3200" dirty="0">
-                <a:latin typeface="Bahnschrift Light Condensed" panose="020B0502040204020203" pitchFamily="34" charset="0"/>
-              </a:rPr>
-              <a:t>(Y = 1 | C = 1, A = O) = </a:t>
-            </a:r>
-            <a:r>
-              <a:rPr lang="en-GB" sz="3200" dirty="0" err="1">
-                <a:latin typeface="Bahnschrift Light Condensed" panose="020B0502040204020203" pitchFamily="34" charset="0"/>
-              </a:rPr>
-              <a:t>Pr</a:t>
-            </a:r>
-            <a:r>
-              <a:rPr lang="en-GB" sz="3200" dirty="0">
-                <a:latin typeface="Bahnschrift Light Condensed" panose="020B0502040204020203" pitchFamily="34" charset="0"/>
-              </a:rPr>
-              <a:t>(Y = 1 | C = 1, A = 1)</a:t>
-            </a:r>
-            <a:endParaRPr lang="en-GB" sz="3200" dirty="0">
-              <a:solidFill>
-                <a:schemeClr val="bg1">
-                  <a:lumMod val="65000"/>
-                  <a:lumOff val="35000"/>
-                </a:schemeClr>
-              </a:solidFill>
-              <a:latin typeface="Bahnschrift Light Condensed" panose="020B0502040204020203" pitchFamily="34" charset="0"/>
-            </a:endParaRPr>
-          </a:p>
-        </p:txBody>
-      </p:sp>
-      <p:sp>
-        <p:nvSpPr>
-          <p:cNvPr id="7" name="Rectangle 6">
-            <a:extLst>
-              <a:ext uri="{FF2B5EF4-FFF2-40B4-BE49-F238E27FC236}">
-                <a16:creationId xmlns:a16="http://schemas.microsoft.com/office/drawing/2014/main" id="{4B3BD710-4E4A-DC44-A81B-CCA914565AEE}"/>
-              </a:ext>
-            </a:extLst>
-          </p:cNvPr>
-          <p:cNvSpPr/>
-          <p:nvPr/>
-        </p:nvSpPr>
-        <p:spPr>
-          <a:xfrm>
-            <a:off x="7008910" y="4081886"/>
-            <a:ext cx="1662635" cy="584775"/>
-          </a:xfrm>
-          <a:prstGeom prst="rect">
-            <a:avLst/>
-          </a:prstGeom>
-        </p:spPr>
-        <p:txBody>
-          <a:bodyPr wrap="none">
-            <a:spAutoFit/>
-          </a:bodyPr>
-          <a:lstStyle/>
-          <a:p>
-            <a:r>
-              <a:rPr lang="en-GB" sz="3200" dirty="0">
-                <a:solidFill>
-                  <a:schemeClr val="bg1">
-                    <a:lumMod val="65000"/>
-                    <a:lumOff val="35000"/>
-                  </a:schemeClr>
-                </a:solidFill>
-                <a:latin typeface="Bahnschrift Light Condensed" panose="020B0502040204020203" pitchFamily="34" charset="0"/>
-              </a:rPr>
-              <a:t>- precision</a:t>
-            </a:r>
-            <a:endParaRPr lang="en-GB" sz="3200" dirty="0">
-              <a:latin typeface="Bahnschrift Light Condensed" panose="020B0502040204020203" pitchFamily="34" charset="0"/>
-            </a:endParaRPr>
-          </a:p>
-        </p:txBody>
-      </p:sp>
-      <p:sp>
-        <p:nvSpPr>
-          <p:cNvPr id="11" name="Rectangle 10"/>
-          <p:cNvSpPr/>
-          <p:nvPr/>
-        </p:nvSpPr>
-        <p:spPr>
-          <a:xfrm>
-            <a:off x="1228161" y="2979071"/>
-            <a:ext cx="2175596" cy="584775"/>
-          </a:xfrm>
-          <a:prstGeom prst="rect">
-            <a:avLst/>
-          </a:prstGeom>
-        </p:spPr>
-        <p:txBody>
-          <a:bodyPr wrap="none">
-            <a:spAutoFit/>
-          </a:bodyPr>
-          <a:lstStyle/>
-          <a:p>
-            <a:r>
-              <a:rPr lang="en-US" sz="3200" dirty="0">
-                <a:latin typeface="Bahnschrift Light Condensed" panose="020B0502040204020203" pitchFamily="34" charset="0"/>
-                <a:ea typeface="+mj-ea"/>
-                <a:cs typeface="+mj-cs"/>
-              </a:rPr>
-              <a:t>Should satisfy:</a:t>
-            </a:r>
-            <a:endParaRPr lang="en-GB" sz="3200" dirty="0">
-              <a:latin typeface="Bahnschrift Light Condensed" panose="020B0502040204020203" pitchFamily="34" charset="0"/>
-              <a:ea typeface="+mj-ea"/>
-              <a:cs typeface="+mj-cs"/>
-            </a:endParaRPr>
-          </a:p>
-        </p:txBody>
-      </p:sp>
-      <p:sp>
-        <p:nvSpPr>
-          <p:cNvPr id="12" name="TextBox 11">
-            <a:extLst>
-              <a:ext uri="{FF2B5EF4-FFF2-40B4-BE49-F238E27FC236}">
-                <a16:creationId xmlns:a16="http://schemas.microsoft.com/office/drawing/2014/main" id="{13E988B5-E13E-FE4F-8A48-6E29DE830131}"/>
-              </a:ext>
-            </a:extLst>
-          </p:cNvPr>
-          <p:cNvSpPr txBox="1"/>
-          <p:nvPr/>
-        </p:nvSpPr>
-        <p:spPr>
-          <a:xfrm>
-            <a:off x="1228160" y="4605458"/>
-            <a:ext cx="5780750" cy="584775"/>
-          </a:xfrm>
-          <a:prstGeom prst="rect">
-            <a:avLst/>
-          </a:prstGeom>
-          <a:noFill/>
-        </p:spPr>
-        <p:txBody>
-          <a:bodyPr wrap="none" rtlCol="0">
-            <a:spAutoFit/>
-          </a:bodyPr>
-          <a:lstStyle/>
-          <a:p>
-            <a:r>
-              <a:rPr lang="en-GB" sz="3200" dirty="0" err="1">
-                <a:latin typeface="Bahnschrift Light Condensed" panose="020B0502040204020203" pitchFamily="34" charset="0"/>
-              </a:rPr>
-              <a:t>Pr</a:t>
-            </a:r>
-            <a:r>
-              <a:rPr lang="en-GB" sz="3200" dirty="0">
-                <a:latin typeface="Bahnschrift Light Condensed" panose="020B0502040204020203" pitchFamily="34" charset="0"/>
-              </a:rPr>
-              <a:t>(Y = 1 | C = 0, A = O) = </a:t>
-            </a:r>
-            <a:r>
-              <a:rPr lang="en-GB" sz="3200" dirty="0" err="1">
-                <a:latin typeface="Bahnschrift Light Condensed" panose="020B0502040204020203" pitchFamily="34" charset="0"/>
-              </a:rPr>
-              <a:t>Pr</a:t>
-            </a:r>
-            <a:r>
-              <a:rPr lang="en-GB" sz="3200" dirty="0">
-                <a:latin typeface="Bahnschrift Light Condensed" panose="020B0502040204020203" pitchFamily="34" charset="0"/>
-              </a:rPr>
-              <a:t>(Y = 1 | C = 0, A = 1)</a:t>
-            </a:r>
-            <a:endParaRPr lang="en-GB" sz="3200" dirty="0">
-              <a:solidFill>
-                <a:schemeClr val="bg1">
-                  <a:lumMod val="65000"/>
-                  <a:lumOff val="35000"/>
-                </a:schemeClr>
-              </a:solidFill>
-              <a:latin typeface="Bahnschrift Light Condensed" panose="020B0502040204020203" pitchFamily="34" charset="0"/>
-            </a:endParaRPr>
-          </a:p>
-        </p:txBody>
-      </p:sp>
-      <p:sp>
-        <p:nvSpPr>
-          <p:cNvPr id="13" name="Rectangle 12">
-            <a:extLst>
-              <a:ext uri="{FF2B5EF4-FFF2-40B4-BE49-F238E27FC236}">
-                <a16:creationId xmlns:a16="http://schemas.microsoft.com/office/drawing/2014/main" id="{4B3BD710-4E4A-DC44-A81B-CCA914565AEE}"/>
-              </a:ext>
-            </a:extLst>
-          </p:cNvPr>
-          <p:cNvSpPr/>
-          <p:nvPr/>
-        </p:nvSpPr>
-        <p:spPr>
-          <a:xfrm>
-            <a:off x="7008910" y="4605458"/>
-            <a:ext cx="930063" cy="584775"/>
-          </a:xfrm>
-          <a:prstGeom prst="rect">
-            <a:avLst/>
-          </a:prstGeom>
-        </p:spPr>
-        <p:txBody>
-          <a:bodyPr wrap="none">
-            <a:spAutoFit/>
-          </a:bodyPr>
-          <a:lstStyle/>
-          <a:p>
-            <a:r>
-              <a:rPr lang="en-GB" sz="3200" dirty="0">
-                <a:solidFill>
-                  <a:schemeClr val="bg1">
-                    <a:lumMod val="65000"/>
-                    <a:lumOff val="35000"/>
-                  </a:schemeClr>
-                </a:solidFill>
-                <a:latin typeface="Bahnschrift Light Condensed" panose="020B0502040204020203" pitchFamily="34" charset="0"/>
-              </a:rPr>
-              <a:t>- FDR</a:t>
-            </a:r>
-            <a:endParaRPr lang="en-GB" sz="3200" dirty="0">
-              <a:latin typeface="Bahnschrift Light Condensed" panose="020B0502040204020203" pitchFamily="34" charset="0"/>
-            </a:endParaRPr>
-          </a:p>
-        </p:txBody>
-      </p:sp>
-    </p:spTree>
-    <p:extLst>
-      <p:ext uri="{BB962C8B-B14F-4D97-AF65-F5344CB8AC3E}">
-        <p14:creationId xmlns:p14="http://schemas.microsoft.com/office/powerpoint/2010/main" val="9906882"/>
-      </p:ext>
-    </p:extLst>
-  </p:cSld>
-  <p:clrMapOvr>
-    <a:masterClrMapping/>
-  </p:clrMapOvr>
-</p:sld>
-</file>
-
-<file path=ppt/slides/slide14.xml><?xml version="1.0" encoding="utf-8"?>
-<p:sld xmlns:a="http://schemas.openxmlformats.org/drawingml/2006/main" xmlns:r="http://schemas.openxmlformats.org/officeDocument/2006/relationships" xmlns:p="http://schemas.openxmlformats.org/presentationml/2006/main">
-  <p:cSld>
-    <p:spTree>
-      <p:nvGrpSpPr>
-        <p:cNvPr id="1" name=""/>
-        <p:cNvGrpSpPr/>
-        <p:nvPr/>
-      </p:nvGrpSpPr>
-      <p:grpSpPr>
-        <a:xfrm>
-          <a:off x="0" y="0"/>
-          <a:ext cx="0" cy="0"/>
-          <a:chOff x="0" y="0"/>
-          <a:chExt cx="0" cy="0"/>
-        </a:xfrm>
-      </p:grpSpPr>
-      <p:sp>
-        <p:nvSpPr>
           <p:cNvPr id="5" name="Title 4">
             <a:extLst>
               <a:ext uri="{FF2B5EF4-FFF2-40B4-BE49-F238E27FC236}">
@@ -7686,7 +6076,7 @@
                 <a:ea typeface="+mj-ea"/>
                 <a:cs typeface="+mj-cs"/>
               </a:rPr>
-              <a:t>“If Black and White women were screened biennially from age 50 to 74 years, there would be an excess of¨3.29 deaths among Black women […] In contrast, if biennial screening was initiated in Black women beginning at age 40 years, deaths would decrease by 1.88 per 1000 women […] removing 57% of the racial disparity</a:t>
+              <a:t>“If Black and White women were screened biennially from age 50 to 74 years, there would be an excess of 3.29 deaths among Black women […] In contrast, if biennial screening was initiated in Black women beginning at age 40 years, deaths would decrease by 1.88 per 1000 women […] removing 57% of the racial disparity</a:t>
             </a:r>
             <a:r>
               <a:rPr lang="en-GB" sz="3600" i="1" dirty="0">
@@ -7901,94 +6291,21 @@
       </p:grpSpPr>
       <p:sp>
         <p:nvSpPr>
-          <p:cNvPr id="6" name="Title 4">
-            <a:extLst>
-              <a:ext uri="{FF2B5EF4-FFF2-40B4-BE49-F238E27FC236}">
-                <a16:creationId xmlns:a16="http://schemas.microsoft.com/office/drawing/2014/main" id="{1DEE8193-7630-3346-A7EE-77ACA9186635}"/>
-              </a:ext>
-            </a:extLst>
-          </p:cNvPr>
-          <p:cNvSpPr txBox="1">
-            <a:spLocks/>
-          </p:cNvSpPr>
+          <p:cNvPr id="4" name="Rectangle 3"/>
+          <p:cNvSpPr/>
           <p:nvPr/>
         </p:nvSpPr>
         <p:spPr>
           <a:xfrm>
-            <a:off x="884419" y="237565"/>
-            <a:ext cx="10423161" cy="1972234"/>
+            <a:off x="0" y="0"/>
+            <a:ext cx="12192000" cy="6858000"/>
           </a:xfrm>
           <a:prstGeom prst="rect">
             <a:avLst/>
           </a:prstGeom>
-        </p:spPr>
-        <p:txBody>
-          <a:bodyPr vert="horz" lIns="91440" tIns="45720" rIns="91440" bIns="45720" rtlCol="0" anchor="b">
-            <a:normAutofit/>
-          </a:bodyPr>
-          <a:lstStyle>
-            <a:lvl1pPr algn="ctr" defTabSz="914400" rtl="0" eaLnBrk="1" latinLnBrk="0" hangingPunct="1">
-              <a:lnSpc>
-                <a:spcPct val="90000"/>
-              </a:lnSpc>
-              <a:spcBef>
-                <a:spcPct val="0"/>
-              </a:spcBef>
-              <a:buNone/>
-              <a:defRPr sz="6000" kern="1200">
-                <a:solidFill>
-                  <a:schemeClr val="tx1"/>
-                </a:solidFill>
-                <a:latin typeface="+mj-lt"/>
-                <a:ea typeface="+mj-ea"/>
-                <a:cs typeface="+mj-cs"/>
-              </a:defRPr>
-            </a:lvl1pPr>
-          </a:lstStyle>
-          <a:p>
-            <a:r>
-              <a:rPr lang="en-GB" dirty="0">
-                <a:latin typeface="Bahnschrift Light Condensed" panose="020B0502040204020203" pitchFamily="34" charset="0"/>
-              </a:rPr>
-              <a:t>Important metrics based on the</a:t>
-            </a:r>
-            <a:br>
-              <a:rPr lang="en-GB" dirty="0">
-                <a:latin typeface="Bahnschrift Light Condensed" panose="020B0502040204020203" pitchFamily="34" charset="0"/>
-              </a:rPr>
-            </a:br>
-            <a:r>
-              <a:rPr lang="en-GB" dirty="0">
-                <a:latin typeface="Bahnschrift Light Condensed" panose="020B0502040204020203" pitchFamily="34" charset="0"/>
-              </a:rPr>
-              <a:t>CONFUSION MATRIX</a:t>
-            </a:r>
-          </a:p>
-        </p:txBody>
-      </p:sp>
-      <p:sp>
-        <p:nvSpPr>
-          <p:cNvPr id="2" name="Rectangle 1">
-            <a:extLst>
-              <a:ext uri="{FF2B5EF4-FFF2-40B4-BE49-F238E27FC236}">
-                <a16:creationId xmlns:a16="http://schemas.microsoft.com/office/drawing/2014/main" id="{72A82C3F-53CD-CB40-B128-4A400111F940}"/>
-              </a:ext>
-            </a:extLst>
-          </p:cNvPr>
-          <p:cNvSpPr>
-            <a:spLocks noChangeAspect="1"/>
-          </p:cNvSpPr>
-          <p:nvPr/>
-        </p:nvSpPr>
-        <p:spPr>
-          <a:xfrm>
-            <a:off x="5664838" y="3738322"/>
-            <a:ext cx="1080000" cy="1080000"/>
-          </a:xfrm>
-          <a:prstGeom prst="rect">
-            <a:avLst/>
-          </a:prstGeom>
-          <a:noFill/>
+          <a:solidFill>
+            <a:schemeClr val="tx1"/>
+          </a:solidFill>
           <a:ln>
             <a:solidFill>
               <a:schemeClr val="tx1"/>
@@ -8016,360 +6333,105 @@
           <a:lstStyle/>
           <a:p>
             <a:pPr algn="ctr"/>
-            <a:r>
-              <a:rPr lang="en-GB" dirty="0">
-                <a:latin typeface="Bahnschrift Light Condensed" panose="020B0502040204020203" pitchFamily="34" charset="0"/>
-              </a:rPr>
-              <a:t>TP</a:t>
-            </a:r>
-          </a:p>
-        </p:txBody>
-      </p:sp>
-      <p:sp>
-        <p:nvSpPr>
-          <p:cNvPr id="7" name="Rectangle 6">
-            <a:extLst>
-              <a:ext uri="{FF2B5EF4-FFF2-40B4-BE49-F238E27FC236}">
-                <a16:creationId xmlns:a16="http://schemas.microsoft.com/office/drawing/2014/main" id="{1FAAC3D8-1CFA-A147-9B33-DCD3423E072B}"/>
-              </a:ext>
-            </a:extLst>
-          </p:cNvPr>
-          <p:cNvSpPr>
-            <a:spLocks noChangeAspect="1"/>
-          </p:cNvSpPr>
+            <a:endParaRPr lang="en-GB"/>
+          </a:p>
+        </p:txBody>
+      </p:sp>
+      <p:pic>
+        <p:nvPicPr>
+          <p:cNvPr id="3" name="Picture 2"/>
+          <p:cNvPicPr>
+            <a:picLocks noChangeAspect="1"/>
+          </p:cNvPicPr>
           <p:nvPr/>
-        </p:nvSpPr>
+        </p:nvPicPr>
+        <p:blipFill rotWithShape="1">
+          <a:blip r:embed="rId3"/>
+          <a:srcRect l="15347" t="23333" r="2708" b="24630"/>
+          <a:stretch/>
+        </p:blipFill>
         <p:spPr>
           <a:xfrm>
-            <a:off x="6744838" y="3738322"/>
-            <a:ext cx="1080000" cy="1080000"/>
+            <a:off x="124895" y="2471374"/>
+            <a:ext cx="11942209" cy="4265798"/>
           </a:xfrm>
           <a:prstGeom prst="rect">
             <a:avLst/>
           </a:prstGeom>
-          <a:noFill/>
-          <a:ln>
-            <a:solidFill>
-              <a:schemeClr val="tx1"/>
-            </a:solidFill>
-          </a:ln>
         </p:spPr>
-        <p:style>
-          <a:lnRef idx="2">
-            <a:schemeClr val="accent1">
-              <a:shade val="50000"/>
-            </a:schemeClr>
-          </a:lnRef>
-          <a:fillRef idx="1">
-            <a:schemeClr val="accent1"/>
-          </a:fillRef>
-          <a:effectRef idx="0">
-            <a:schemeClr val="accent1"/>
-          </a:effectRef>
-          <a:fontRef idx="minor">
-            <a:schemeClr val="lt1"/>
-          </a:fontRef>
-        </p:style>
-        <p:txBody>
-          <a:bodyPr rtlCol="0" anchor="ctr"/>
-          <a:lstStyle/>
-          <a:p>
-            <a:pPr algn="ctr"/>
-            <a:r>
-              <a:rPr lang="en-GB" dirty="0">
-                <a:latin typeface="Bahnschrift Light Condensed" panose="020B0502040204020203" pitchFamily="34" charset="0"/>
-              </a:rPr>
-              <a:t>FP</a:t>
-            </a:r>
-          </a:p>
-        </p:txBody>
-      </p:sp>
-      <p:sp>
-        <p:nvSpPr>
-          <p:cNvPr id="8" name="Rectangle 7">
+      </p:pic>
+      <p:sp>
+        <p:nvSpPr>
+          <p:cNvPr id="2" name="Title 4">
             <a:extLst>
               <a:ext uri="{FF2B5EF4-FFF2-40B4-BE49-F238E27FC236}">
-                <a16:creationId xmlns:a16="http://schemas.microsoft.com/office/drawing/2014/main" id="{A1AD8587-0B30-814C-A1D7-38AC1D18F53F}"/>
+                <a16:creationId xmlns:a16="http://schemas.microsoft.com/office/drawing/2014/main" id="{5A221E9E-4FB2-C0BF-6233-27745DD60169}"/>
               </a:ext>
             </a:extLst>
           </p:cNvPr>
-          <p:cNvSpPr>
-            <a:spLocks noChangeAspect="1"/>
+          <p:cNvSpPr txBox="1">
+            <a:spLocks/>
           </p:cNvSpPr>
           <p:nvPr/>
         </p:nvSpPr>
         <p:spPr>
           <a:xfrm>
-            <a:off x="5664838" y="4818322"/>
-            <a:ext cx="1080000" cy="1080000"/>
+            <a:off x="884419" y="237565"/>
+            <a:ext cx="10423161" cy="1972234"/>
           </a:xfrm>
           <a:prstGeom prst="rect">
             <a:avLst/>
           </a:prstGeom>
-          <a:noFill/>
-          <a:ln>
-            <a:solidFill>
-              <a:schemeClr val="tx1"/>
-            </a:solidFill>
-          </a:ln>
         </p:spPr>
-        <p:style>
-          <a:lnRef idx="2">
-            <a:schemeClr val="accent1">
-              <a:shade val="50000"/>
-            </a:schemeClr>
-          </a:lnRef>
-          <a:fillRef idx="1">
-            <a:schemeClr val="accent1"/>
-          </a:fillRef>
-          <a:effectRef idx="0">
-            <a:schemeClr val="accent1"/>
-          </a:effectRef>
-          <a:fontRef idx="minor">
-            <a:schemeClr val="lt1"/>
-          </a:fontRef>
-        </p:style>
-        <p:txBody>
-          <a:bodyPr rtlCol="0" anchor="ctr"/>
-          <a:lstStyle/>
-          <a:p>
-            <a:pPr algn="ctr"/>
+        <p:txBody>
+          <a:bodyPr vert="horz" lIns="91440" tIns="45720" rIns="91440" bIns="45720" rtlCol="0" anchor="b">
+            <a:normAutofit/>
+          </a:bodyPr>
+          <a:lstStyle>
+            <a:lvl1pPr algn="ctr" defTabSz="914400" rtl="0" eaLnBrk="1" latinLnBrk="0" hangingPunct="1">
+              <a:lnSpc>
+                <a:spcPct val="90000"/>
+              </a:lnSpc>
+              <a:spcBef>
+                <a:spcPct val="0"/>
+              </a:spcBef>
+              <a:buNone/>
+              <a:defRPr sz="6000" kern="1200">
+                <a:solidFill>
+                  <a:schemeClr val="tx1"/>
+                </a:solidFill>
+                <a:latin typeface="+mj-lt"/>
+                <a:ea typeface="+mj-ea"/>
+                <a:cs typeface="+mj-cs"/>
+              </a:defRPr>
+            </a:lvl1pPr>
+          </a:lstStyle>
+          <a:p>
             <a:r>
               <a:rPr lang="en-GB" dirty="0">
+                <a:solidFill>
+                  <a:schemeClr val="bg1"/>
+                </a:solidFill>
                 <a:latin typeface="Bahnschrift Light Condensed" panose="020B0502040204020203" pitchFamily="34" charset="0"/>
               </a:rPr>
-              <a:t>FN</a:t>
-            </a:r>
-          </a:p>
-        </p:txBody>
-      </p:sp>
-      <p:sp>
-        <p:nvSpPr>
-          <p:cNvPr id="9" name="Rectangle 8">
-            <a:extLst>
-              <a:ext uri="{FF2B5EF4-FFF2-40B4-BE49-F238E27FC236}">
-                <a16:creationId xmlns:a16="http://schemas.microsoft.com/office/drawing/2014/main" id="{BCBEE358-7E17-3A46-B2C5-090BC7668415}"/>
-              </a:ext>
-            </a:extLst>
-          </p:cNvPr>
-          <p:cNvSpPr>
-            <a:spLocks noChangeAspect="1"/>
-          </p:cNvSpPr>
-          <p:nvPr/>
-        </p:nvSpPr>
-        <p:spPr>
-          <a:xfrm>
-            <a:off x="6744838" y="4818322"/>
-            <a:ext cx="1080000" cy="1080000"/>
-          </a:xfrm>
-          <a:prstGeom prst="rect">
-            <a:avLst/>
-          </a:prstGeom>
-          <a:noFill/>
-          <a:ln>
-            <a:solidFill>
-              <a:schemeClr val="tx1"/>
-            </a:solidFill>
-          </a:ln>
-        </p:spPr>
-        <p:style>
-          <a:lnRef idx="2">
-            <a:schemeClr val="accent1">
-              <a:shade val="50000"/>
-            </a:schemeClr>
-          </a:lnRef>
-          <a:fillRef idx="1">
-            <a:schemeClr val="accent1"/>
-          </a:fillRef>
-          <a:effectRef idx="0">
-            <a:schemeClr val="accent1"/>
-          </a:effectRef>
-          <a:fontRef idx="minor">
-            <a:schemeClr val="lt1"/>
-          </a:fontRef>
-        </p:style>
-        <p:txBody>
-          <a:bodyPr rtlCol="0" anchor="ctr"/>
-          <a:lstStyle/>
-          <a:p>
-            <a:pPr algn="ctr"/>
-            <a:r>
-              <a:rPr lang="en-GB" dirty="0">
-                <a:latin typeface="Bahnschrift Light Condensed" panose="020B0502040204020203" pitchFamily="34" charset="0"/>
-              </a:rPr>
-              <a:t>TN</a:t>
-            </a:r>
-          </a:p>
-        </p:txBody>
-      </p:sp>
-      <p:sp>
-        <p:nvSpPr>
-          <p:cNvPr id="10" name="TextBox 9">
-            <a:extLst>
-              <a:ext uri="{FF2B5EF4-FFF2-40B4-BE49-F238E27FC236}">
-                <a16:creationId xmlns:a16="http://schemas.microsoft.com/office/drawing/2014/main" id="{B2240A0E-4608-AC42-8F15-FB9444A01E69}"/>
-              </a:ext>
-            </a:extLst>
-          </p:cNvPr>
-          <p:cNvSpPr txBox="1"/>
-          <p:nvPr/>
-        </p:nvSpPr>
-        <p:spPr>
-          <a:xfrm>
-            <a:off x="3867838" y="4094513"/>
-            <a:ext cx="1561646" cy="369332"/>
-          </a:xfrm>
-          <a:prstGeom prst="rect">
-            <a:avLst/>
-          </a:prstGeom>
-          <a:noFill/>
-        </p:spPr>
-        <p:txBody>
-          <a:bodyPr wrap="none" rtlCol="0">
-            <a:spAutoFit/>
-          </a:bodyPr>
-          <a:lstStyle/>
-          <a:p>
-            <a:r>
-              <a:rPr lang="en-GB" dirty="0">
-                <a:latin typeface="Bahnschrift Light Condensed" panose="020B0502040204020203" pitchFamily="34" charset="0"/>
-              </a:rPr>
-              <a:t>Predicted positive</a:t>
-            </a:r>
-          </a:p>
-        </p:txBody>
-      </p:sp>
-      <p:sp>
-        <p:nvSpPr>
-          <p:cNvPr id="11" name="TextBox 10">
-            <a:extLst>
-              <a:ext uri="{FF2B5EF4-FFF2-40B4-BE49-F238E27FC236}">
-                <a16:creationId xmlns:a16="http://schemas.microsoft.com/office/drawing/2014/main" id="{162C6570-BCBE-9B46-8D9F-C28C4E7C3E0C}"/>
-              </a:ext>
-            </a:extLst>
-          </p:cNvPr>
-          <p:cNvSpPr txBox="1"/>
-          <p:nvPr/>
-        </p:nvSpPr>
-        <p:spPr>
-          <a:xfrm>
-            <a:off x="3867837" y="5173656"/>
-            <a:ext cx="1624163" cy="369332"/>
-          </a:xfrm>
-          <a:prstGeom prst="rect">
-            <a:avLst/>
-          </a:prstGeom>
-          <a:noFill/>
-        </p:spPr>
-        <p:txBody>
-          <a:bodyPr wrap="none" rtlCol="0">
-            <a:spAutoFit/>
-          </a:bodyPr>
-          <a:lstStyle/>
-          <a:p>
-            <a:r>
-              <a:rPr lang="en-GB" dirty="0">
-                <a:latin typeface="Bahnschrift Light Condensed" panose="020B0502040204020203" pitchFamily="34" charset="0"/>
-              </a:rPr>
-              <a:t>Predicted negative</a:t>
-            </a:r>
-          </a:p>
-        </p:txBody>
-      </p:sp>
-      <p:sp>
-        <p:nvSpPr>
-          <p:cNvPr id="12" name="TextBox 11">
-            <a:extLst>
-              <a:ext uri="{FF2B5EF4-FFF2-40B4-BE49-F238E27FC236}">
-                <a16:creationId xmlns:a16="http://schemas.microsoft.com/office/drawing/2014/main" id="{0FA1246D-76FA-2740-9E93-1323F837A9AD}"/>
-              </a:ext>
-            </a:extLst>
-          </p:cNvPr>
-          <p:cNvSpPr txBox="1"/>
-          <p:nvPr/>
-        </p:nvSpPr>
-        <p:spPr>
-          <a:xfrm>
-            <a:off x="5773469" y="2915178"/>
-            <a:ext cx="862737" cy="646331"/>
-          </a:xfrm>
-          <a:prstGeom prst="rect">
-            <a:avLst/>
-          </a:prstGeom>
-          <a:noFill/>
-        </p:spPr>
-        <p:txBody>
-          <a:bodyPr wrap="none" rtlCol="0">
-            <a:spAutoFit/>
-          </a:bodyPr>
-          <a:lstStyle/>
-          <a:p>
-            <a:pPr algn="ctr"/>
-            <a:r>
-              <a:rPr lang="en-GB" dirty="0">
-                <a:latin typeface="Bahnschrift Light Condensed" panose="020B0502040204020203" pitchFamily="34" charset="0"/>
-              </a:rPr>
-              <a:t>Actually </a:t>
+              <a:t>Important metrics based on the</a:t>
             </a:r>
             <a:br>
               <a:rPr lang="en-GB" dirty="0">
+                <a:solidFill>
+                  <a:schemeClr val="bg1"/>
+                </a:solidFill>
                 <a:latin typeface="Bahnschrift Light Condensed" panose="020B0502040204020203" pitchFamily="34" charset="0"/>
               </a:rPr>
             </a:br>
             <a:r>
               <a:rPr lang="en-GB" dirty="0">
+                <a:solidFill>
+                  <a:schemeClr val="bg1"/>
+                </a:solidFill>
                 <a:latin typeface="Bahnschrift Light Condensed" panose="020B0502040204020203" pitchFamily="34" charset="0"/>
               </a:rPr>
-              <a:t>positive</a:t>
-            </a:r>
-          </a:p>
-        </p:txBody>
-      </p:sp>
-      <p:sp>
-        <p:nvSpPr>
-          <p:cNvPr id="13" name="TextBox 12">
-            <a:extLst>
-              <a:ext uri="{FF2B5EF4-FFF2-40B4-BE49-F238E27FC236}">
-                <a16:creationId xmlns:a16="http://schemas.microsoft.com/office/drawing/2014/main" id="{48D2319C-BD00-824D-81DA-BE92D4CFAAB9}"/>
-              </a:ext>
-            </a:extLst>
-          </p:cNvPr>
-          <p:cNvSpPr txBox="1"/>
-          <p:nvPr/>
-        </p:nvSpPr>
-        <p:spPr>
-          <a:xfrm>
-            <a:off x="6856891" y="2915178"/>
-            <a:ext cx="862737" cy="646331"/>
-          </a:xfrm>
-          <a:prstGeom prst="rect">
-            <a:avLst/>
-          </a:prstGeom>
-          <a:noFill/>
-        </p:spPr>
-        <p:txBody>
-          <a:bodyPr wrap="none" rtlCol="0">
-            <a:spAutoFit/>
-          </a:bodyPr>
-          <a:lstStyle/>
-          <a:p>
-            <a:pPr algn="ctr"/>
-            <a:r>
-              <a:rPr lang="en-GB" dirty="0">
-                <a:latin typeface="Bahnschrift Light Condensed" panose="020B0502040204020203" pitchFamily="34" charset="0"/>
-              </a:rPr>
-              <a:t>Actually </a:t>
-            </a:r>
-            <a:br>
-              <a:rPr lang="en-GB" dirty="0">
-                <a:latin typeface="Bahnschrift Light Condensed" panose="020B0502040204020203" pitchFamily="34" charset="0"/>
-              </a:rPr>
-            </a:br>
-            <a:r>
-              <a:rPr lang="en-GB" dirty="0">
-                <a:latin typeface="Bahnschrift Light Condensed" panose="020B0502040204020203" pitchFamily="34" charset="0"/>
-              </a:rPr>
-              <a:t>negative</a:t>
+              <a:t>CONFUSION MATRIX</a:t>
             </a:r>
           </a:p>
         </p:txBody>
@@ -8377,7 +6439,7 @@
     </p:spTree>
     <p:extLst>
       <p:ext uri="{BB962C8B-B14F-4D97-AF65-F5344CB8AC3E}">
-        <p14:creationId xmlns:p14="http://schemas.microsoft.com/office/powerpoint/2010/main" val="1125582792"/>
+        <p14:creationId xmlns:p14="http://schemas.microsoft.com/office/powerpoint/2010/main" val="137733283"/>
       </p:ext>
     </p:extLst>
   </p:cSld>
